--- a/DEVOPS-4-TODO.pptx
+++ b/DEVOPS-4-TODO.pptx
@@ -5,10 +5,10 @@
     <p:sldMasterId id="2147483660" r:id="rId1"/>
   </p:sldMasterIdLst>
   <p:notesMasterIdLst>
-    <p:notesMasterId r:id="rId27"/>
+    <p:notesMasterId r:id="rId23"/>
   </p:notesMasterIdLst>
   <p:handoutMasterIdLst>
-    <p:handoutMasterId r:id="rId28"/>
+    <p:handoutMasterId r:id="rId24"/>
   </p:handoutMasterIdLst>
   <p:sldIdLst>
     <p:sldId id="256" r:id="rId2"/>
@@ -29,13 +29,9 @@
     <p:sldId id="362" r:id="rId17"/>
     <p:sldId id="361" r:id="rId18"/>
     <p:sldId id="366" r:id="rId19"/>
-    <p:sldId id="331" r:id="rId20"/>
-    <p:sldId id="363" r:id="rId21"/>
-    <p:sldId id="364" r:id="rId22"/>
-    <p:sldId id="365" r:id="rId23"/>
-    <p:sldId id="349" r:id="rId24"/>
-    <p:sldId id="350" r:id="rId25"/>
-    <p:sldId id="292" r:id="rId26"/>
+    <p:sldId id="349" r:id="rId20"/>
+    <p:sldId id="350" r:id="rId21"/>
+    <p:sldId id="292" r:id="rId22"/>
   </p:sldIdLst>
   <p:sldSz cx="9144000" cy="5143500" type="screen16x9"/>
   <p:notesSz cx="6858000" cy="9144000"/>
@@ -157,10 +153,6 @@
             <p14:sldId id="362"/>
             <p14:sldId id="361"/>
             <p14:sldId id="366"/>
-            <p14:sldId id="331"/>
-            <p14:sldId id="363"/>
-            <p14:sldId id="364"/>
-            <p14:sldId id="365"/>
             <p14:sldId id="349"/>
             <p14:sldId id="350"/>
           </p14:sldIdLst>
@@ -8463,8 +8455,8 @@
         </p:nvSpPr>
         <p:spPr>
           <a:xfrm>
-            <a:off x="618371" y="1772968"/>
-            <a:ext cx="8012512" cy="1631422"/>
+            <a:off x="559165" y="1953789"/>
+            <a:ext cx="8012512" cy="1088787"/>
           </a:xfrm>
         </p:spPr>
         <p:txBody>
@@ -8473,7 +8465,7 @@
           <a:p>
             <a:r>
               <a:rPr lang="it-IT" dirty="0" smtClean="0"/>
-              <a:t>CONTINUOUS TESTING</a:t>
+              <a:t>Caso d’uso</a:t>
             </a:r>
             <a:endParaRPr lang="it-IT" dirty="0"/>
           </a:p>
@@ -8482,7 +8474,7 @@
     </p:spTree>
     <p:extLst>
       <p:ext uri="{BB962C8B-B14F-4D97-AF65-F5344CB8AC3E}">
-        <p14:creationId xmlns:p14="http://schemas.microsoft.com/office/powerpoint/2010/main" val="3202703084"/>
+        <p14:creationId xmlns:p14="http://schemas.microsoft.com/office/powerpoint/2010/main" val="3803834758"/>
       </p:ext>
     </p:extLst>
   </p:cSld>
@@ -8644,855 +8636,6 @@
       </p:grpSpPr>
       <p:sp>
         <p:nvSpPr>
-          <p:cNvPr id="8" name="Content Placeholder 7"/>
-          <p:cNvSpPr>
-            <a:spLocks noGrp="1"/>
-          </p:cNvSpPr>
-          <p:nvPr>
-            <p:ph sz="half" idx="1"/>
-          </p:nvPr>
-        </p:nvSpPr>
-        <p:spPr>
-          <a:xfrm>
-            <a:off x="573852" y="1437651"/>
-            <a:ext cx="4096824" cy="3075143"/>
-          </a:xfrm>
-        </p:spPr>
-        <p:txBody>
-          <a:bodyPr/>
-          <a:lstStyle/>
-          <a:p>
-            <a:r>
-              <a:rPr lang="it-IT" sz="1800" dirty="0" smtClean="0"/>
-              <a:t>Test nella Pipeline di CI hanno un ruolo Fondamentale.</a:t>
-            </a:r>
-          </a:p>
-          <a:p>
-            <a:r>
-              <a:rPr lang="it-IT" sz="1800" dirty="0" smtClean="0"/>
-              <a:t>Sono l’</a:t>
-            </a:r>
-            <a:r>
-              <a:rPr lang="it-IT" sz="1800" b="1" cap="all" dirty="0" smtClean="0">
-                <a:solidFill>
-                  <a:schemeClr val="tx2"/>
-                </a:solidFill>
-                <a:latin typeface="Arial"/>
-                <a:cs typeface="Arial"/>
-              </a:rPr>
-              <a:t>unica </a:t>
-            </a:r>
-            <a:r>
-              <a:rPr lang="it-IT" sz="1800" b="1" cap="all" dirty="0">
-                <a:solidFill>
-                  <a:schemeClr val="tx2"/>
-                </a:solidFill>
-                <a:latin typeface="Arial"/>
-                <a:cs typeface="Arial"/>
-              </a:rPr>
-              <a:t>Fonte di Difesa </a:t>
-            </a:r>
-            <a:r>
-              <a:rPr lang="it-IT" sz="1800" dirty="0" smtClean="0"/>
-              <a:t>dall’integrazione di codice non funzionante o buggato.</a:t>
-            </a:r>
-          </a:p>
-          <a:p>
-            <a:endParaRPr lang="it-IT" sz="1800" dirty="0"/>
-          </a:p>
-          <a:p>
-            <a:r>
-              <a:rPr lang="it-IT" sz="1800" dirty="0" smtClean="0"/>
-              <a:t>Il Continuous Testing arricchisce l’Automated Testing con Tools e Cultura per garantire la </a:t>
-            </a:r>
-            <a:r>
-              <a:rPr lang="it-IT" sz="1800" b="1" cap="all" dirty="0">
-                <a:solidFill>
-                  <a:schemeClr val="tx2"/>
-                </a:solidFill>
-                <a:latin typeface="Arial"/>
-                <a:cs typeface="Arial"/>
-              </a:rPr>
-              <a:t>qualità</a:t>
-            </a:r>
-            <a:r>
-              <a:rPr lang="it-IT" sz="1800" dirty="0" smtClean="0"/>
-              <a:t> del software.</a:t>
-            </a:r>
-          </a:p>
-        </p:txBody>
-      </p:sp>
-      <p:pic>
-        <p:nvPicPr>
-          <p:cNvPr id="12" name="Content Placeholder 11"/>
-          <p:cNvPicPr>
-            <a:picLocks noGrp="1" noChangeAspect="1"/>
-          </p:cNvPicPr>
-          <p:nvPr>
-            <p:ph sz="half" idx="2"/>
-          </p:nvPr>
-        </p:nvPicPr>
-        <p:blipFill>
-          <a:blip r:embed="rId2">
-            <a:extLst>
-              <a:ext uri="{28A0092B-C50C-407E-A947-70E740481C1C}">
-                <a14:useLocalDpi xmlns:a14="http://schemas.microsoft.com/office/drawing/2010/main" val="0"/>
-              </a:ext>
-            </a:extLst>
-          </a:blip>
-          <a:stretch>
-            <a:fillRect/>
-          </a:stretch>
-        </p:blipFill>
-        <p:spPr>
-          <a:xfrm>
-            <a:off x="4854872" y="1161668"/>
-            <a:ext cx="3821062" cy="3821062"/>
-          </a:xfrm>
-        </p:spPr>
-      </p:pic>
-      <p:sp>
-        <p:nvSpPr>
-          <p:cNvPr id="7" name="Title 6"/>
-          <p:cNvSpPr>
-            <a:spLocks noGrp="1"/>
-          </p:cNvSpPr>
-          <p:nvPr>
-            <p:ph type="title"/>
-          </p:nvPr>
-        </p:nvSpPr>
-        <p:spPr/>
-        <p:txBody>
-          <a:bodyPr/>
-          <a:lstStyle/>
-          <a:p>
-            <a:r>
-              <a:rPr lang="it-IT" dirty="0" smtClean="0"/>
-              <a:t>Continuous testing</a:t>
-            </a:r>
-            <a:endParaRPr lang="it-IT" dirty="0"/>
-          </a:p>
-        </p:txBody>
-      </p:sp>
-      <p:sp>
-        <p:nvSpPr>
-          <p:cNvPr id="10" name="Subtitle 9"/>
-          <p:cNvSpPr>
-            <a:spLocks noGrp="1"/>
-          </p:cNvSpPr>
-          <p:nvPr>
-            <p:ph type="subTitle" idx="10"/>
-          </p:nvPr>
-        </p:nvSpPr>
-        <p:spPr/>
-        <p:txBody>
-          <a:bodyPr/>
-          <a:lstStyle/>
-          <a:p>
-            <a:r>
-              <a:rPr lang="it-IT" dirty="0" smtClean="0"/>
-              <a:t>Non solo test</a:t>
-            </a:r>
-            <a:endParaRPr lang="it-IT" dirty="0"/>
-          </a:p>
-        </p:txBody>
-      </p:sp>
-    </p:spTree>
-    <p:extLst>
-      <p:ext uri="{BB962C8B-B14F-4D97-AF65-F5344CB8AC3E}">
-        <p14:creationId xmlns:p14="http://schemas.microsoft.com/office/powerpoint/2010/main" val="1464355070"/>
-      </p:ext>
-    </p:extLst>
-  </p:cSld>
-  <p:clrMapOvr>
-    <a:masterClrMapping/>
-  </p:clrMapOvr>
-</p:sld>
-</file>
-
-<file path=ppt/slides/slide21.xml><?xml version="1.0" encoding="utf-8"?>
-<p:sld xmlns:a="http://schemas.openxmlformats.org/drawingml/2006/main" xmlns:r="http://schemas.openxmlformats.org/officeDocument/2006/relationships" xmlns:p="http://schemas.openxmlformats.org/presentationml/2006/main">
-  <p:cSld>
-    <p:spTree>
-      <p:nvGrpSpPr>
-        <p:cNvPr id="1" name=""/>
-        <p:cNvGrpSpPr/>
-        <p:nvPr/>
-      </p:nvGrpSpPr>
-      <p:grpSpPr>
-        <a:xfrm>
-          <a:off x="0" y="0"/>
-          <a:ext cx="0" cy="0"/>
-          <a:chOff x="0" y="0"/>
-          <a:chExt cx="0" cy="0"/>
-        </a:xfrm>
-      </p:grpSpPr>
-      <p:sp>
-        <p:nvSpPr>
-          <p:cNvPr id="2" name="Title 1"/>
-          <p:cNvSpPr>
-            <a:spLocks noGrp="1"/>
-          </p:cNvSpPr>
-          <p:nvPr>
-            <p:ph type="title"/>
-          </p:nvPr>
-        </p:nvSpPr>
-        <p:spPr/>
-        <p:txBody>
-          <a:bodyPr/>
-          <a:lstStyle/>
-          <a:p>
-            <a:r>
-              <a:rPr lang="it-IT" dirty="0" smtClean="0"/>
-              <a:t>Continuous testing</a:t>
-            </a:r>
-            <a:endParaRPr lang="it-IT" dirty="0"/>
-          </a:p>
-        </p:txBody>
-      </p:sp>
-      <mc:AlternateContent xmlns:mc="http://schemas.openxmlformats.org/markup-compatibility/2006" xmlns:a14="http://schemas.microsoft.com/office/drawing/2010/main">
-        <mc:Choice Requires="a14">
-          <p:sp>
-            <p:nvSpPr>
-              <p:cNvPr id="3" name="Text Placeholder 2"/>
-              <p:cNvSpPr>
-                <a:spLocks noGrp="1"/>
-              </p:cNvSpPr>
-              <p:nvPr>
-                <p:ph type="body" sz="quarter" idx="10"/>
-              </p:nvPr>
-            </p:nvSpPr>
-            <p:spPr>
-              <a:xfrm>
-                <a:off x="573852" y="1401950"/>
-                <a:ext cx="7968163" cy="3229255"/>
-              </a:xfrm>
-            </p:spPr>
-            <p:txBody>
-              <a:bodyPr/>
-              <a:lstStyle/>
-              <a:p>
-                <a:r>
-                  <a:rPr lang="it-IT" dirty="0" smtClean="0"/>
-                  <a:t>Nell’ottica del Continuous Deployment i Test assumono nuova semantica:</a:t>
-                </a:r>
-              </a:p>
-              <a:p>
-                <a:pPr marL="285750" indent="-285750">
-                  <a:buFont typeface="Arial" panose="020B0604020202020204" pitchFamily="34" charset="0"/>
-                  <a:buChar char="•"/>
-                </a:pPr>
-                <a:r>
-                  <a:rPr lang="it-IT" dirty="0" smtClean="0"/>
-                  <a:t>Sono la principale </a:t>
-                </a:r>
-                <a:r>
-                  <a:rPr lang="it-IT" cap="all" dirty="0">
-                    <a:solidFill>
-                      <a:schemeClr val="tx2"/>
-                    </a:solidFill>
-                    <a:latin typeface="Arial"/>
-                    <a:cs typeface="Arial"/>
-                  </a:rPr>
-                  <a:t>garanzia di qualità </a:t>
-                </a:r>
-                <a:r>
-                  <a:rPr lang="it-IT" dirty="0" smtClean="0"/>
-                  <a:t>del Software rilasciato</a:t>
-                </a:r>
-                <a:endParaRPr lang="it-IT" dirty="0"/>
-              </a:p>
-              <a:p>
-                <a:pPr marL="285750" indent="-285750">
-                  <a:buFont typeface="Arial" panose="020B0604020202020204" pitchFamily="34" charset="0"/>
-                  <a:buChar char="•"/>
-                </a:pPr>
-                <a:endParaRPr lang="it-IT" dirty="0" smtClean="0"/>
-              </a:p>
-              <a:p>
-                <a:pPr algn="ctr"/>
-                <a:r>
-                  <a:rPr lang="it-IT" b="1" cap="all" dirty="0">
-                    <a:solidFill>
-                      <a:schemeClr val="tx2"/>
-                    </a:solidFill>
-                    <a:latin typeface="Arial"/>
-                    <a:cs typeface="Arial"/>
-                  </a:rPr>
-                  <a:t>COVERAGE</a:t>
-                </a:r>
-                <a:r>
-                  <a:rPr lang="it-IT" dirty="0"/>
-                  <a:t> </a:t>
-                </a:r>
-                <a:r>
-                  <a:rPr lang="it-IT" dirty="0" smtClean="0"/>
-                  <a:t>= </a:t>
-                </a:r>
-                <a14:m>
-                  <m:oMath xmlns:m="http://schemas.openxmlformats.org/officeDocument/2006/math">
-                    <m:f>
-                      <m:fPr>
-                        <m:ctrlPr>
-                          <a:rPr lang="it-IT" sz="2800" i="1">
-                            <a:latin typeface="Cambria Math" panose="02040503050406030204" pitchFamily="18" charset="0"/>
-                          </a:rPr>
-                        </m:ctrlPr>
-                      </m:fPr>
-                      <m:num>
-                        <m:r>
-                          <m:rPr>
-                            <m:sty m:val="p"/>
-                          </m:rPr>
-                          <a:rPr lang="it-IT" sz="2800" i="0">
-                            <a:latin typeface="Cambria Math" panose="02040503050406030204" pitchFamily="18" charset="0"/>
-                          </a:rPr>
-                          <m:t>Righe</m:t>
-                        </m:r>
-                        <m:r>
-                          <a:rPr lang="it-IT" sz="2800" i="0">
-                            <a:latin typeface="Cambria Math" panose="02040503050406030204" pitchFamily="18" charset="0"/>
-                          </a:rPr>
-                          <m:t> </m:t>
-                        </m:r>
-                        <m:r>
-                          <m:rPr>
-                            <m:sty m:val="p"/>
-                          </m:rPr>
-                          <a:rPr lang="it-IT" sz="2800" i="0">
-                            <a:latin typeface="Cambria Math" panose="02040503050406030204" pitchFamily="18" charset="0"/>
-                          </a:rPr>
-                          <m:t>di</m:t>
-                        </m:r>
-                        <m:r>
-                          <a:rPr lang="it-IT" sz="2800" i="0">
-                            <a:latin typeface="Cambria Math" panose="02040503050406030204" pitchFamily="18" charset="0"/>
-                          </a:rPr>
-                          <m:t> </m:t>
-                        </m:r>
-                        <m:r>
-                          <m:rPr>
-                            <m:sty m:val="p"/>
-                          </m:rPr>
-                          <a:rPr lang="it-IT" sz="2800" i="0">
-                            <a:latin typeface="Cambria Math" panose="02040503050406030204" pitchFamily="18" charset="0"/>
-                          </a:rPr>
-                          <m:t>Codice</m:t>
-                        </m:r>
-                        <m:r>
-                          <a:rPr lang="it-IT" sz="2800" i="0">
-                            <a:latin typeface="Cambria Math" panose="02040503050406030204" pitchFamily="18" charset="0"/>
-                          </a:rPr>
-                          <m:t> </m:t>
-                        </m:r>
-                        <m:r>
-                          <m:rPr>
-                            <m:sty m:val="p"/>
-                          </m:rPr>
-                          <a:rPr lang="it-IT" sz="2800" i="0">
-                            <a:latin typeface="Cambria Math" panose="02040503050406030204" pitchFamily="18" charset="0"/>
-                          </a:rPr>
-                          <m:t>Testato</m:t>
-                        </m:r>
-                      </m:num>
-                      <m:den>
-                        <m:r>
-                          <m:rPr>
-                            <m:sty m:val="p"/>
-                          </m:rPr>
-                          <a:rPr lang="it-IT" sz="2800" i="0">
-                            <a:latin typeface="Cambria Math" panose="02040503050406030204" pitchFamily="18" charset="0"/>
-                          </a:rPr>
-                          <m:t>Righe</m:t>
-                        </m:r>
-                        <m:r>
-                          <a:rPr lang="it-IT" sz="2800" i="0">
-                            <a:latin typeface="Cambria Math" panose="02040503050406030204" pitchFamily="18" charset="0"/>
-                          </a:rPr>
-                          <m:t> </m:t>
-                        </m:r>
-                        <m:r>
-                          <m:rPr>
-                            <m:sty m:val="p"/>
-                          </m:rPr>
-                          <a:rPr lang="it-IT" sz="2800" i="0">
-                            <a:latin typeface="Cambria Math" panose="02040503050406030204" pitchFamily="18" charset="0"/>
-                          </a:rPr>
-                          <m:t>di</m:t>
-                        </m:r>
-                        <m:r>
-                          <a:rPr lang="it-IT" sz="2800" i="0">
-                            <a:latin typeface="Cambria Math" panose="02040503050406030204" pitchFamily="18" charset="0"/>
-                          </a:rPr>
-                          <m:t> </m:t>
-                        </m:r>
-                        <m:r>
-                          <m:rPr>
-                            <m:sty m:val="p"/>
-                          </m:rPr>
-                          <a:rPr lang="it-IT" sz="2800" i="0">
-                            <a:latin typeface="Cambria Math" panose="02040503050406030204" pitchFamily="18" charset="0"/>
-                          </a:rPr>
-                          <m:t>Codice</m:t>
-                        </m:r>
-                        <m:r>
-                          <a:rPr lang="it-IT" sz="2800" i="0">
-                            <a:latin typeface="Cambria Math" panose="02040503050406030204" pitchFamily="18" charset="0"/>
-                          </a:rPr>
-                          <m:t> </m:t>
-                        </m:r>
-                        <m:r>
-                          <m:rPr>
-                            <m:sty m:val="p"/>
-                          </m:rPr>
-                          <a:rPr lang="it-IT" sz="2800" i="0">
-                            <a:latin typeface="Cambria Math" panose="02040503050406030204" pitchFamily="18" charset="0"/>
-                          </a:rPr>
-                          <m:t>Scritto</m:t>
-                        </m:r>
-                      </m:den>
-                    </m:f>
-                  </m:oMath>
-                </a14:m>
-                <a:endParaRPr lang="it-IT" dirty="0" smtClean="0"/>
-              </a:p>
-              <a:p>
-                <a:pPr algn="ctr"/>
-                <a:endParaRPr lang="it-IT" dirty="0" smtClean="0"/>
-              </a:p>
-              <a:p>
-                <a:pPr marL="285750" indent="-285750">
-                  <a:buFont typeface="Arial" panose="020B0604020202020204" pitchFamily="34" charset="0"/>
-                  <a:buChar char="•"/>
-                </a:pPr>
-                <a:r>
-                  <a:rPr lang="it-IT" dirty="0" smtClean="0"/>
-                  <a:t>Indicatore del </a:t>
-                </a:r>
-                <a:r>
-                  <a:rPr lang="it-IT" cap="all" dirty="0">
-                    <a:solidFill>
-                      <a:schemeClr val="tx2"/>
-                    </a:solidFill>
-                    <a:latin typeface="Arial"/>
-                    <a:cs typeface="Arial"/>
-                  </a:rPr>
-                  <a:t>Rischio commerciale </a:t>
-                </a:r>
-                <a:r>
-                  <a:rPr lang="it-IT" dirty="0" smtClean="0"/>
-                  <a:t>legato al rilascio</a:t>
-                </a:r>
-              </a:p>
-              <a:p>
-                <a:pPr marL="285750" indent="-285750">
-                  <a:buFont typeface="Arial" panose="020B0604020202020204" pitchFamily="34" charset="0"/>
-                  <a:buChar char="•"/>
-                </a:pPr>
-                <a:r>
-                  <a:rPr lang="it-IT" dirty="0" smtClean="0"/>
-                  <a:t>Indicatore di </a:t>
-                </a:r>
-                <a:r>
-                  <a:rPr lang="it-IT" cap="all" dirty="0" smtClean="0">
-                    <a:solidFill>
-                      <a:schemeClr val="tx2"/>
-                    </a:solidFill>
-                    <a:latin typeface="Arial"/>
-                    <a:cs typeface="Arial"/>
-                  </a:rPr>
-                  <a:t>progressione</a:t>
-                </a:r>
-                <a:r>
-                  <a:rPr lang="it-IT" dirty="0" smtClean="0"/>
-                  <a:t> dello sviluppo</a:t>
-                </a:r>
-                <a:endParaRPr lang="it-IT" dirty="0"/>
-              </a:p>
-            </p:txBody>
-          </p:sp>
-        </mc:Choice>
-        <mc:Fallback xmlns="">
-          <p:sp>
-            <p:nvSpPr>
-              <p:cNvPr id="3" name="Text Placeholder 2"/>
-              <p:cNvSpPr>
-                <a:spLocks noGrp="1" noRot="1" noChangeAspect="1" noMove="1" noResize="1" noEditPoints="1" noAdjustHandles="1" noChangeArrowheads="1" noChangeShapeType="1" noTextEdit="1"/>
-              </p:cNvSpPr>
-              <p:nvPr>
-                <p:ph type="body" sz="quarter" idx="10"/>
-              </p:nvPr>
-            </p:nvSpPr>
-            <p:spPr>
-              <a:xfrm>
-                <a:off x="573852" y="1401950"/>
-                <a:ext cx="7968163" cy="3229255"/>
-              </a:xfrm>
-              <a:blipFill>
-                <a:blip r:embed="rId2"/>
-                <a:stretch>
-                  <a:fillRect l="-1760" t="-2453"/>
-                </a:stretch>
-              </a:blipFill>
-            </p:spPr>
-            <p:txBody>
-              <a:bodyPr/>
-              <a:lstStyle/>
-              <a:p>
-                <a:r>
-                  <a:rPr lang="it-IT">
-                    <a:noFill/>
-                  </a:rPr>
-                  <a:t> </a:t>
-                </a:r>
-              </a:p>
-            </p:txBody>
-          </p:sp>
-        </mc:Fallback>
-      </mc:AlternateContent>
-      <p:sp>
-        <p:nvSpPr>
-          <p:cNvPr id="4" name="Subtitle 3"/>
-          <p:cNvSpPr>
-            <a:spLocks noGrp="1"/>
-          </p:cNvSpPr>
-          <p:nvPr>
-            <p:ph type="subTitle" idx="1"/>
-          </p:nvPr>
-        </p:nvSpPr>
-        <p:spPr/>
-        <p:txBody>
-          <a:bodyPr/>
-          <a:lstStyle/>
-          <a:p>
-            <a:r>
-              <a:rPr lang="it-IT" dirty="0" smtClean="0"/>
-              <a:t>Nuova semantica di test</a:t>
-            </a:r>
-            <a:endParaRPr lang="it-IT" dirty="0"/>
-          </a:p>
-        </p:txBody>
-      </p:sp>
-    </p:spTree>
-    <p:extLst>
-      <p:ext uri="{BB962C8B-B14F-4D97-AF65-F5344CB8AC3E}">
-        <p14:creationId xmlns:p14="http://schemas.microsoft.com/office/powerpoint/2010/main" val="764368643"/>
-      </p:ext>
-    </p:extLst>
-  </p:cSld>
-  <p:clrMapOvr>
-    <a:masterClrMapping/>
-  </p:clrMapOvr>
-  <mc:AlternateContent xmlns:mc="http://schemas.openxmlformats.org/markup-compatibility/2006" xmlns:p14="http://schemas.microsoft.com/office/powerpoint/2010/main">
-    <mc:Choice Requires="p14">
-      <p:transition spd="slow" p14:dur="2000"/>
-    </mc:Choice>
-    <mc:Fallback xmlns="">
-      <p:transition spd="slow"/>
-    </mc:Fallback>
-  </mc:AlternateContent>
-  <p:timing>
-    <p:tnLst>
-      <p:par>
-        <p:cTn id="1" dur="indefinite" restart="never" nodeType="tmRoot"/>
-      </p:par>
-    </p:tnLst>
-  </p:timing>
-</p:sld>
-</file>
-
-<file path=ppt/slides/slide22.xml><?xml version="1.0" encoding="utf-8"?>
-<p:sld xmlns:a="http://schemas.openxmlformats.org/drawingml/2006/main" xmlns:r="http://schemas.openxmlformats.org/officeDocument/2006/relationships" xmlns:p="http://schemas.openxmlformats.org/presentationml/2006/main">
-  <p:cSld>
-    <p:spTree>
-      <p:nvGrpSpPr>
-        <p:cNvPr id="1" name=""/>
-        <p:cNvGrpSpPr/>
-        <p:nvPr/>
-      </p:nvGrpSpPr>
-      <p:grpSpPr>
-        <a:xfrm>
-          <a:off x="0" y="0"/>
-          <a:ext cx="0" cy="0"/>
-          <a:chOff x="0" y="0"/>
-          <a:chExt cx="0" cy="0"/>
-        </a:xfrm>
-      </p:grpSpPr>
-      <p:sp>
-        <p:nvSpPr>
-          <p:cNvPr id="2" name="Title 1"/>
-          <p:cNvSpPr>
-            <a:spLocks noGrp="1"/>
-          </p:cNvSpPr>
-          <p:nvPr>
-            <p:ph type="title"/>
-          </p:nvPr>
-        </p:nvSpPr>
-        <p:spPr/>
-        <p:txBody>
-          <a:bodyPr/>
-          <a:lstStyle/>
-          <a:p>
-            <a:r>
-              <a:rPr lang="it-IT" dirty="0" smtClean="0"/>
-              <a:t>Continuous testing</a:t>
-            </a:r>
-            <a:endParaRPr lang="it-IT" dirty="0"/>
-          </a:p>
-        </p:txBody>
-      </p:sp>
-      <p:sp>
-        <p:nvSpPr>
-          <p:cNvPr id="3" name="Text Placeholder 2"/>
-          <p:cNvSpPr>
-            <a:spLocks noGrp="1"/>
-          </p:cNvSpPr>
-          <p:nvPr>
-            <p:ph type="body" sz="quarter" idx="10"/>
-          </p:nvPr>
-        </p:nvSpPr>
-        <p:spPr/>
-        <p:txBody>
-          <a:bodyPr/>
-          <a:lstStyle/>
-          <a:p>
-            <a:r>
-              <a:rPr lang="it-IT" dirty="0" smtClean="0"/>
-              <a:t>Fondamentale strutturare saggiamente i Test:</a:t>
-            </a:r>
-          </a:p>
-          <a:p>
-            <a:endParaRPr lang="it-IT" dirty="0" smtClean="0"/>
-          </a:p>
-          <a:p>
-            <a:pPr marL="285750" indent="-285750">
-              <a:buFont typeface="Arial" panose="020B0604020202020204" pitchFamily="34" charset="0"/>
-              <a:buChar char="•"/>
-            </a:pPr>
-            <a:r>
-              <a:rPr lang="it-IT" dirty="0" smtClean="0"/>
-              <a:t>Avvalersi di un </a:t>
-            </a:r>
-            <a:r>
-              <a:rPr lang="it-IT" cap="all" dirty="0">
-                <a:solidFill>
-                  <a:schemeClr val="tx2"/>
-                </a:solidFill>
-                <a:latin typeface="Arial"/>
-                <a:cs typeface="Arial"/>
-              </a:rPr>
-              <a:t>Framework di Test </a:t>
-            </a:r>
-            <a:r>
-              <a:rPr lang="it-IT" dirty="0" smtClean="0"/>
-              <a:t>(JUnit, ScalaTest, ...)</a:t>
-            </a:r>
-          </a:p>
-          <a:p>
-            <a:pPr marL="285750" indent="-285750">
-              <a:buFont typeface="Arial" panose="020B0604020202020204" pitchFamily="34" charset="0"/>
-              <a:buChar char="•"/>
-            </a:pPr>
-            <a:r>
-              <a:rPr lang="it-IT" dirty="0" smtClean="0"/>
-              <a:t>Dividere i Test per </a:t>
-            </a:r>
-            <a:r>
-              <a:rPr lang="it-IT" cap="all" dirty="0">
-                <a:solidFill>
-                  <a:schemeClr val="tx2"/>
-                </a:solidFill>
-                <a:latin typeface="Arial"/>
-                <a:cs typeface="Arial"/>
-              </a:rPr>
-              <a:t>Feature</a:t>
-            </a:r>
-            <a:r>
-              <a:rPr lang="it-IT" dirty="0" smtClean="0"/>
-              <a:t> (penserà Git a unire al momento dell’integrazione)</a:t>
-            </a:r>
-          </a:p>
-          <a:p>
-            <a:pPr marL="285750" indent="-285750">
-              <a:buFont typeface="Arial" panose="020B0604020202020204" pitchFamily="34" charset="0"/>
-              <a:buChar char="•"/>
-            </a:pPr>
-            <a:r>
-              <a:rPr lang="it-IT" dirty="0" smtClean="0"/>
-              <a:t>Adottare tecniche come la Test Driven Developmen (</a:t>
-            </a:r>
-            <a:r>
-              <a:rPr lang="it-IT" cap="all" dirty="0">
-                <a:solidFill>
-                  <a:schemeClr val="tx2"/>
-                </a:solidFill>
-                <a:latin typeface="Arial"/>
-                <a:cs typeface="Arial"/>
-              </a:rPr>
-              <a:t>TDD</a:t>
-            </a:r>
-            <a:r>
-              <a:rPr lang="it-IT" dirty="0" smtClean="0"/>
-              <a:t>)</a:t>
-            </a:r>
-          </a:p>
-          <a:p>
-            <a:pPr marL="285750" indent="-285750">
-              <a:buFont typeface="Arial" panose="020B0604020202020204" pitchFamily="34" charset="0"/>
-              <a:buChar char="•"/>
-            </a:pPr>
-            <a:r>
-              <a:rPr lang="it-IT" dirty="0" smtClean="0"/>
-              <a:t>Tempo di esecuzione della batteria di test </a:t>
-            </a:r>
-            <a:r>
-              <a:rPr lang="it-IT" cap="all" dirty="0">
-                <a:solidFill>
-                  <a:schemeClr val="tx2"/>
-                </a:solidFill>
-                <a:latin typeface="Arial"/>
-                <a:cs typeface="Arial"/>
-              </a:rPr>
-              <a:t>&lt; 10 minuti </a:t>
-            </a:r>
-            <a:r>
-              <a:rPr lang="it-IT" sz="1200" dirty="0" smtClean="0"/>
-              <a:t>(XP)</a:t>
-            </a:r>
-          </a:p>
-          <a:p>
-            <a:endParaRPr lang="it-IT" dirty="0"/>
-          </a:p>
-        </p:txBody>
-      </p:sp>
-      <p:sp>
-        <p:nvSpPr>
-          <p:cNvPr id="4" name="Subtitle 3"/>
-          <p:cNvSpPr>
-            <a:spLocks noGrp="1"/>
-          </p:cNvSpPr>
-          <p:nvPr>
-            <p:ph type="subTitle" idx="1"/>
-          </p:nvPr>
-        </p:nvSpPr>
-        <p:spPr/>
-        <p:txBody>
-          <a:bodyPr/>
-          <a:lstStyle/>
-          <a:p>
-            <a:r>
-              <a:rPr lang="it-IT" dirty="0" smtClean="0"/>
-              <a:t>Strutturare i test</a:t>
-            </a:r>
-            <a:endParaRPr lang="it-IT" dirty="0"/>
-          </a:p>
-        </p:txBody>
-      </p:sp>
-    </p:spTree>
-    <p:extLst>
-      <p:ext uri="{BB962C8B-B14F-4D97-AF65-F5344CB8AC3E}">
-        <p14:creationId xmlns:p14="http://schemas.microsoft.com/office/powerpoint/2010/main" val="3021541439"/>
-      </p:ext>
-    </p:extLst>
-  </p:cSld>
-  <p:clrMapOvr>
-    <a:masterClrMapping/>
-  </p:clrMapOvr>
-  <mc:AlternateContent xmlns:mc="http://schemas.openxmlformats.org/markup-compatibility/2006" xmlns:p14="http://schemas.microsoft.com/office/powerpoint/2010/main">
-    <mc:Choice Requires="p14">
-      <p:transition spd="slow" p14:dur="2000"/>
-    </mc:Choice>
-    <mc:Fallback xmlns="">
-      <p:transition spd="slow"/>
-    </mc:Fallback>
-  </mc:AlternateContent>
-</p:sld>
-</file>
-
-<file path=ppt/slides/slide23.xml><?xml version="1.0" encoding="utf-8"?>
-<p:sld xmlns:a="http://schemas.openxmlformats.org/drawingml/2006/main" xmlns:r="http://schemas.openxmlformats.org/officeDocument/2006/relationships" xmlns:p="http://schemas.openxmlformats.org/presentationml/2006/main">
-  <p:cSld>
-    <p:spTree>
-      <p:nvGrpSpPr>
-        <p:cNvPr id="1" name=""/>
-        <p:cNvGrpSpPr/>
-        <p:nvPr/>
-      </p:nvGrpSpPr>
-      <p:grpSpPr>
-        <a:xfrm>
-          <a:off x="0" y="0"/>
-          <a:ext cx="0" cy="0"/>
-          <a:chOff x="0" y="0"/>
-          <a:chExt cx="0" cy="0"/>
-        </a:xfrm>
-      </p:grpSpPr>
-      <p:sp>
-        <p:nvSpPr>
-          <p:cNvPr id="6" name="Title 5"/>
-          <p:cNvSpPr>
-            <a:spLocks noGrp="1"/>
-          </p:cNvSpPr>
-          <p:nvPr>
-            <p:ph type="ctrTitle"/>
-          </p:nvPr>
-        </p:nvSpPr>
-        <p:spPr>
-          <a:xfrm>
-            <a:off x="559165" y="1953789"/>
-            <a:ext cx="8012512" cy="1088787"/>
-          </a:xfrm>
-        </p:spPr>
-        <p:txBody>
-          <a:bodyPr/>
-          <a:lstStyle/>
-          <a:p>
-            <a:r>
-              <a:rPr lang="it-IT" dirty="0" smtClean="0"/>
-              <a:t>Caso d’uso</a:t>
-            </a:r>
-            <a:endParaRPr lang="it-IT" dirty="0"/>
-          </a:p>
-        </p:txBody>
-      </p:sp>
-    </p:spTree>
-    <p:extLst>
-      <p:ext uri="{BB962C8B-B14F-4D97-AF65-F5344CB8AC3E}">
-        <p14:creationId xmlns:p14="http://schemas.microsoft.com/office/powerpoint/2010/main" val="3803834758"/>
-      </p:ext>
-    </p:extLst>
-  </p:cSld>
-  <p:clrMapOvr>
-    <a:masterClrMapping/>
-  </p:clrMapOvr>
-  <p:timing>
-    <p:tnLst>
-      <p:par>
-        <p:cTn id="1" dur="indefinite" restart="never" nodeType="tmRoot"/>
-      </p:par>
-    </p:tnLst>
-  </p:timing>
-</p:sld>
-</file>
-
-<file path=ppt/slides/slide24.xml><?xml version="1.0" encoding="utf-8"?>
-<p:sld xmlns:a="http://schemas.openxmlformats.org/drawingml/2006/main" xmlns:r="http://schemas.openxmlformats.org/officeDocument/2006/relationships" xmlns:p="http://schemas.openxmlformats.org/presentationml/2006/main">
-  <p:cSld>
-    <p:spTree>
-      <p:nvGrpSpPr>
-        <p:cNvPr id="1" name=""/>
-        <p:cNvGrpSpPr/>
-        <p:nvPr/>
-      </p:nvGrpSpPr>
-      <p:grpSpPr>
-        <a:xfrm>
-          <a:off x="0" y="0"/>
-          <a:ext cx="0" cy="0"/>
-          <a:chOff x="0" y="0"/>
-          <a:chExt cx="0" cy="0"/>
-        </a:xfrm>
-      </p:grpSpPr>
-      <p:sp>
-        <p:nvSpPr>
           <p:cNvPr id="6" name="Title 5"/>
           <p:cNvSpPr>
             <a:spLocks noGrp="1"/>
@@ -9539,7 +8682,7 @@
 </p:sld>
 </file>
 
-<file path=ppt/slides/slide25.xml><?xml version="1.0" encoding="utf-8"?>
+<file path=ppt/slides/slide21.xml><?xml version="1.0" encoding="utf-8"?>
 <p:sld xmlns:a="http://schemas.openxmlformats.org/drawingml/2006/main" xmlns:r="http://schemas.openxmlformats.org/officeDocument/2006/relationships" xmlns:p="http://schemas.openxmlformats.org/presentationml/2006/main">
   <p:cSld>
     <p:spTree>
@@ -9742,13 +8885,6 @@
               </a:rPr>
               <a:t>Continuous Management</a:t>
             </a:r>
-            <a:endParaRPr lang="it-IT" b="1" cap="all" dirty="0">
-              <a:solidFill>
-                <a:schemeClr val="tx2"/>
-              </a:solidFill>
-              <a:latin typeface="Arial"/>
-              <a:cs typeface="Arial"/>
-            </a:endParaRPr>
           </a:p>
         </p:txBody>
       </p:sp>
@@ -9999,7 +9135,11 @@
           <a:p>
             <a:r>
               <a:rPr lang="it-IT" dirty="0" smtClean="0"/>
-              <a:t>Continuous integration</a:t>
+              <a:t>Continuous </a:t>
+            </a:r>
+            <a:r>
+              <a:rPr lang="it-IT" dirty="0" smtClean="0"/>
+              <a:t>management</a:t>
             </a:r>
             <a:endParaRPr lang="it-IT" dirty="0"/>
           </a:p>
